--- a/React JS Training (3).pptx
+++ b/React JS Training (3).pptx
@@ -249,7 +249,7 @@
           <a:p>
             <a:fld id="{5EA28068-AFBD-4979-B752-9EB6F90B1386}" type="datetimeFigureOut">
               <a:rPr lang="en-US" smtClean="0"/>
-              <a:t>8/4/2022</a:t>
+              <a:t>8/5/2022</a:t>
             </a:fld>
             <a:endParaRPr lang="en-US" dirty="0"/>
           </a:p>
@@ -11281,6 +11281,17 @@
             </a:r>
           </a:p>
           <a:p>
+            <a:r>
+              <a:rPr lang="en-US" dirty="0"/>
+              <a:t>(Reacttrainer17@gmail.com)</a:t>
+            </a:r>
+            <a:endParaRPr lang="en-US" sz="2000" dirty="0">
+              <a:solidFill>
+                <a:schemeClr val="bg1"/>
+              </a:solidFill>
+            </a:endParaRPr>
+          </a:p>
+          <a:p>
             <a:endParaRPr lang="en-US" dirty="0"/>
           </a:p>
         </p:txBody>
@@ -18338,6 +18349,15 @@
               <a:rPr lang="en-US" dirty="0"/>
               <a:t>Prateek</a:t>
             </a:r>
+          </a:p>
+          <a:p>
+            <a:r>
+              <a:rPr lang="en-US"/>
+              <a:t>(Reacttrainer17@gmail.com)</a:t>
+            </a:r>
+          </a:p>
+          <a:p>
+            <a:endParaRPr lang="en-US" dirty="0"/>
           </a:p>
           <a:p>
             <a:endParaRPr lang="en-US" dirty="0"/>
@@ -20682,21 +20702,21 @@
 </file>
 
 <file path=customXml/item1.xml><?xml version="1.0" encoding="utf-8"?>
+<p:properties xmlns:p="http://schemas.microsoft.com/office/2006/metadata/properties" xmlns:xsi="http://www.w3.org/2001/XMLSchema-instance" xmlns:pc="http://schemas.microsoft.com/office/infopath/2007/PartnerControls">
+  <documentManagement>
+    <Status xmlns="71af3243-3dd4-4a8d-8c0d-dd76da1f02a5">Not started</Status>
+    <MediaServiceKeyPoints xmlns="71af3243-3dd4-4a8d-8c0d-dd76da1f02a5" xsi:nil="true"/>
+  </documentManagement>
+</p:properties>
+</file>
+
+<file path=customXml/item2.xml><?xml version="1.0" encoding="utf-8"?>
 <?mso-contentType ?>
 <FormTemplates xmlns="http://schemas.microsoft.com/sharepoint/v3/contenttype/forms">
   <Display>DocumentLibraryForm</Display>
   <Edit>DocumentLibraryForm</Edit>
   <New>DocumentLibraryForm</New>
 </FormTemplates>
-</file>
-
-<file path=customXml/item2.xml><?xml version="1.0" encoding="utf-8"?>
-<p:properties xmlns:p="http://schemas.microsoft.com/office/2006/metadata/properties" xmlns:xsi="http://www.w3.org/2001/XMLSchema-instance" xmlns:pc="http://schemas.microsoft.com/office/infopath/2007/PartnerControls">
-  <documentManagement>
-    <Status xmlns="71af3243-3dd4-4a8d-8c0d-dd76da1f02a5">Not started</Status>
-    <MediaServiceKeyPoints xmlns="71af3243-3dd4-4a8d-8c0d-dd76da1f02a5" xsi:nil="true"/>
-  </documentManagement>
-</p:properties>
 </file>
 
 <file path=customXml/item3.xml><?xml version="1.0" encoding="utf-8"?>
@@ -20921,19 +20941,19 @@
 </file>
 
 <file path=customXml/itemProps1.xml><?xml version="1.0" encoding="utf-8"?>
-<ds:datastoreItem xmlns:ds="http://schemas.openxmlformats.org/officeDocument/2006/customXml" ds:itemID="{3C8E00D1-8EA3-4E42-801D-0253E1EAFC21}">
+<ds:datastoreItem xmlns:ds="http://schemas.openxmlformats.org/officeDocument/2006/customXml" ds:itemID="{99919F73-B6C2-4A43-95E2-833EC48925FE}">
   <ds:schemaRefs>
-    <ds:schemaRef ds:uri="http://schemas.microsoft.com/sharepoint/v3/contenttype/forms"/>
+    <ds:schemaRef ds:uri="http://schemas.microsoft.com/office/2006/metadata/properties"/>
+    <ds:schemaRef ds:uri="http://schemas.microsoft.com/office/infopath/2007/PartnerControls"/>
+    <ds:schemaRef ds:uri="71af3243-3dd4-4a8d-8c0d-dd76da1f02a5"/>
   </ds:schemaRefs>
 </ds:datastoreItem>
 </file>
 
 <file path=customXml/itemProps2.xml><?xml version="1.0" encoding="utf-8"?>
-<ds:datastoreItem xmlns:ds="http://schemas.openxmlformats.org/officeDocument/2006/customXml" ds:itemID="{99919F73-B6C2-4A43-95E2-833EC48925FE}">
+<ds:datastoreItem xmlns:ds="http://schemas.openxmlformats.org/officeDocument/2006/customXml" ds:itemID="{3C8E00D1-8EA3-4E42-801D-0253E1EAFC21}">
   <ds:schemaRefs>
-    <ds:schemaRef ds:uri="http://schemas.microsoft.com/office/2006/metadata/properties"/>
-    <ds:schemaRef ds:uri="http://schemas.microsoft.com/office/infopath/2007/PartnerControls"/>
-    <ds:schemaRef ds:uri="71af3243-3dd4-4a8d-8c0d-dd76da1f02a5"/>
+    <ds:schemaRef ds:uri="http://schemas.microsoft.com/sharepoint/v3/contenttype/forms"/>
   </ds:schemaRefs>
 </ds:datastoreItem>
 </file>
